--- a/すだちの木(仮)/すだちの木(仮).pptx
+++ b/すだちの木(仮)/すだちの木(仮).pptx
@@ -586,7 +586,7 @@
           <a:p>
             <a:fld id="{DDA51639-B2D6-4652-B8C3-1B4C224A7BAF}" type="datetimeFigureOut">
               <a:rPr lang="en-US" dirty="0"/>
-              <a:t>1/29/2016</a:t>
+              <a:t>2/1/2016</a:t>
             </a:fld>
             <a:endParaRPr lang="en-US" dirty="0"/>
           </a:p>
@@ -816,7 +816,7 @@
           <a:p>
             <a:fld id="{D11A6AA8-A04B-4104-9AE2-BD48D340E27F}" type="datetimeFigureOut">
               <a:rPr lang="en-US" dirty="0"/>
-              <a:t>1/29/2016</a:t>
+              <a:t>2/1/2016</a:t>
             </a:fld>
             <a:endParaRPr lang="en-US" dirty="0"/>
           </a:p>
@@ -1023,7 +1023,7 @@
           <a:p>
             <a:fld id="{B4E0BF79-FAC6-4A96-8DE1-F7B82E2E1652}" type="datetimeFigureOut">
               <a:rPr lang="en-US" dirty="0"/>
-              <a:t>1/29/2016</a:t>
+              <a:t>2/1/2016</a:t>
             </a:fld>
             <a:endParaRPr lang="en-US" dirty="0"/>
           </a:p>
@@ -1220,7 +1220,7 @@
           <a:p>
             <a:fld id="{82FF5DD9-2C52-442D-92E2-8072C0C3D7CD}" type="datetimeFigureOut">
               <a:rPr lang="en-US" dirty="0"/>
-              <a:t>1/29/2016</a:t>
+              <a:t>2/1/2016</a:t>
             </a:fld>
             <a:endParaRPr lang="en-US" dirty="0"/>
           </a:p>
@@ -1787,7 +1787,7 @@
           <a:p>
             <a:fld id="{C44961B7-6B89-48AB-966F-622E2788EECC}" type="datetimeFigureOut">
               <a:rPr lang="en-US" dirty="0"/>
-              <a:t>1/29/2016</a:t>
+              <a:t>2/1/2016</a:t>
             </a:fld>
             <a:endParaRPr lang="en-US" dirty="0"/>
           </a:p>
@@ -2148,7 +2148,7 @@
           <a:p>
             <a:fld id="{DBD3D6FB-79CC-4683-A046-BBE785BA1BED}" type="datetimeFigureOut">
               <a:rPr lang="en-US" dirty="0"/>
-              <a:t>1/29/2016</a:t>
+              <a:t>2/1/2016</a:t>
             </a:fld>
             <a:endParaRPr lang="en-US" dirty="0"/>
           </a:p>
@@ -2644,7 +2644,7 @@
           <a:p>
             <a:fld id="{9512B3E8-48F1-4B23-8498-D8A04A81EC9C}" type="datetimeFigureOut">
               <a:rPr lang="en-US" dirty="0"/>
-              <a:t>1/29/2016</a:t>
+              <a:t>2/1/2016</a:t>
             </a:fld>
             <a:endParaRPr lang="en-US" dirty="0"/>
           </a:p>
@@ -2757,7 +2757,7 @@
           <a:p>
             <a:fld id="{10B90D90-AA62-404D-A741-635B4370F9CB}" type="datetimeFigureOut">
               <a:rPr lang="en-US" dirty="0"/>
-              <a:t>1/29/2016</a:t>
+              <a:t>2/1/2016</a:t>
             </a:fld>
             <a:endParaRPr lang="en-US" dirty="0"/>
           </a:p>
@@ -2847,7 +2847,7 @@
           <a:p>
             <a:fld id="{A57002E4-6836-46D1-9DBB-3C27C0DD3A89}" type="datetimeFigureOut">
               <a:rPr lang="en-US" dirty="0"/>
-              <a:t>1/29/2016</a:t>
+              <a:t>2/1/2016</a:t>
             </a:fld>
             <a:endParaRPr lang="en-US" dirty="0"/>
           </a:p>
@@ -3256,7 +3256,7 @@
           <a:p>
             <a:fld id="{1CF131DD-A141-4471-BCF9-C6073EDD7E20}" type="datetimeFigureOut">
               <a:rPr lang="en-US" dirty="0"/>
-              <a:t>1/29/2016</a:t>
+              <a:t>2/1/2016</a:t>
             </a:fld>
             <a:endParaRPr lang="en-US" dirty="0"/>
           </a:p>
@@ -3646,7 +3646,7 @@
           <a:p>
             <a:fld id="{AB334A90-EB03-42F3-8859-2C2B2724C058}" type="datetimeFigureOut">
               <a:rPr lang="en-US" dirty="0"/>
-              <a:t>1/29/2016</a:t>
+              <a:t>2/1/2016</a:t>
             </a:fld>
             <a:endParaRPr lang="en-US" dirty="0"/>
           </a:p>
@@ -3987,7 +3987,7 @@
           <a:p>
             <a:fld id="{CBC48EC7-AF6A-48D3-8284-14BACBEBDD84}" type="datetimeFigureOut">
               <a:rPr lang="en-US" dirty="0"/>
-              <a:t>1/29/2016</a:t>
+              <a:t>2/1/2016</a:t>
             </a:fld>
             <a:endParaRPr lang="en-US" dirty="0"/>
           </a:p>
@@ -6336,7 +6336,9 @@
         </p:nvSpPr>
         <p:spPr/>
         <p:txBody>
-          <a:bodyPr/>
+          <a:bodyPr>
+            <a:normAutofit/>
+          </a:bodyPr>
           <a:lstStyle/>
           <a:p>
             <a:r>
@@ -6360,18 +6362,58 @@
             <a:endParaRPr lang="en-US" altLang="ja-JP" sz="2800" dirty="0" smtClean="0"/>
           </a:p>
           <a:p>
-            <a:endParaRPr lang="en-US" altLang="ja-JP" sz="2800" dirty="0"/>
-          </a:p>
-          <a:p>
-            <a:r>
-              <a:rPr lang="en-US" altLang="ja-JP" dirty="0" smtClean="0"/>
-              <a:t>User</a:t>
-            </a:r>
-            <a:r>
-              <a:rPr lang="ja-JP" altLang="en-US" dirty="0" smtClean="0"/>
-              <a:t>はどのくらいの頻度でこのアプリを起動するのか？</a:t>
-            </a:r>
-            <a:endParaRPr lang="ja-JP" altLang="en-US" dirty="0"/>
+            <a:pPr marL="0" indent="0">
+              <a:buNone/>
+            </a:pPr>
+            <a:r>
+              <a:rPr lang="en-US" altLang="ja-JP" sz="2800" dirty="0"/>
+              <a:t>	</a:t>
+            </a:r>
+            <a:r>
+              <a:rPr lang="ja-JP" altLang="en-US" sz="2800" dirty="0" smtClean="0"/>
+              <a:t>イベント；阿波踊り・徳島マラソン</a:t>
+            </a:r>
+            <a:endParaRPr lang="en-US" altLang="ja-JP" sz="2800" dirty="0" smtClean="0"/>
+          </a:p>
+          <a:p>
+            <a:pPr marL="0" indent="0">
+              <a:buNone/>
+            </a:pPr>
+            <a:r>
+              <a:rPr lang="en-US" altLang="ja-JP" sz="2800" dirty="0"/>
+              <a:t>	</a:t>
+            </a:r>
+            <a:r>
+              <a:rPr lang="ja-JP" altLang="en-US" sz="2800" dirty="0" smtClean="0"/>
+              <a:t>文化；藍染の服装・徳島ラーメン・阿波尾鶏</a:t>
+            </a:r>
+            <a:endParaRPr lang="en-US" altLang="ja-JP" sz="2800" dirty="0" smtClean="0"/>
+          </a:p>
+          <a:p>
+            <a:pPr marL="0" indent="0">
+              <a:buNone/>
+            </a:pPr>
+            <a:r>
+              <a:rPr lang="en-US" altLang="ja-JP" sz="2800" dirty="0"/>
+              <a:t>	</a:t>
+            </a:r>
+            <a:r>
+              <a:rPr lang="ja-JP" altLang="en-US" sz="2800" dirty="0" smtClean="0"/>
+              <a:t>　　　すだち酒・すだち酎・うだつ・妖怪</a:t>
+            </a:r>
+            <a:r>
+              <a:rPr lang="en-US" altLang="ja-JP" sz="2800" dirty="0" smtClean="0"/>
+              <a:t>(</a:t>
+            </a:r>
+            <a:r>
+              <a:rPr lang="ja-JP" altLang="en-US" sz="2800" dirty="0" smtClean="0"/>
+              <a:t>こなき爺</a:t>
+            </a:r>
+            <a:r>
+              <a:rPr lang="en-US" altLang="ja-JP" sz="2800" dirty="0" smtClean="0"/>
+              <a:t>)</a:t>
+            </a:r>
+            <a:endParaRPr lang="en-US" altLang="ja-JP" sz="2800" dirty="0" smtClean="0"/>
           </a:p>
           <a:p>
             <a:endParaRPr kumimoji="1" lang="ja-JP" altLang="en-US" dirty="0"/>
